--- a/presentations/Intro-PAL-CN-workshop-at-EY.PPTX
+++ b/presentations/Intro-PAL-CN-workshop-at-EY.PPTX
@@ -231,7 +231,7 @@
           <a:p>
             <a:fld id="{372E5B6B-8713-8747-AE5B-F1241B2BF5F0}" type="datetimeFigureOut">
               <a:rPr lang="en-US" smtClean="0"/>
-              <a:t>6/11/2019</a:t>
+              <a:t>6/24/2019</a:t>
             </a:fld>
             <a:endParaRPr lang="en-US"/>
           </a:p>
@@ -397,7 +397,7 @@
           <a:p>
             <a:fld id="{7E7B7340-DDD5-1B49-81AA-25BC4050C073}" type="datetimeFigureOut">
               <a:rPr lang="en-US" smtClean="0"/>
-              <a:t>6/11/2019</a:t>
+              <a:t>6/24/2019</a:t>
             </a:fld>
             <a:endParaRPr lang="en-US"/>
           </a:p>
@@ -7791,8 +7791,23 @@
                 </a:solidFill>
                 <a:sym typeface="Arial"/>
               </a:rPr>
-              <a:t>			Cloud Native PAL workshop at Boeing</a:t>
+              <a:t>			Cloud Native PAL workshop </a:t>
             </a:r>
+            <a:r>
+              <a:rPr lang="en-US">
+                <a:solidFill>
+                  <a:schemeClr val="accent6"/>
+                </a:solidFill>
+                <a:sym typeface="Arial"/>
+              </a:rPr>
+              <a:t>at EY</a:t>
+            </a:r>
+            <a:endParaRPr lang="en-US" dirty="0">
+              <a:solidFill>
+                <a:schemeClr val="accent6"/>
+              </a:solidFill>
+              <a:sym typeface="Arial"/>
+            </a:endParaRPr>
           </a:p>
           <a:p>
             <a:pPr lvl="0">

--- a/presentations/Intro-PAL-CN-workshop-at-EY.PPTX
+++ b/presentations/Intro-PAL-CN-workshop-at-EY.PPTX
@@ -231,7 +231,7 @@
           <a:p>
             <a:fld id="{372E5B6B-8713-8747-AE5B-F1241B2BF5F0}" type="datetimeFigureOut">
               <a:rPr lang="en-US" smtClean="0"/>
-              <a:t>6/24/2019</a:t>
+              <a:t>7/11/2019</a:t>
             </a:fld>
             <a:endParaRPr lang="en-US"/>
           </a:p>
@@ -397,7 +397,7 @@
           <a:p>
             <a:fld id="{7E7B7340-DDD5-1B49-81AA-25BC4050C073}" type="datetimeFigureOut">
               <a:rPr lang="en-US" smtClean="0"/>
-              <a:t>6/24/2019</a:t>
+              <a:t>7/11/2019</a:t>
             </a:fld>
             <a:endParaRPr lang="en-US"/>
           </a:p>
@@ -4772,6 +4772,54 @@
           </a:prstGeom>
         </p:spPr>
       </p:pic>
+      <p:sp>
+        <p:nvSpPr>
+          <p:cNvPr id="2" name="MSIPCMContentMarking" descr="{&quot;HashCode&quot;:-1913046509,&quot;Placement&quot;:&quot;Footer&quot;}">
+            <a:extLst>
+              <a:ext uri="{FF2B5EF4-FFF2-40B4-BE49-F238E27FC236}">
+                <a16:creationId xmlns:a16="http://schemas.microsoft.com/office/drawing/2014/main" id="{DA8EF09F-5934-4C5C-BA06-B03143077700}"/>
+              </a:ext>
+            </a:extLst>
+          </p:cNvPr>
+          <p:cNvSpPr txBox="1"/>
+          <p:nvPr userDrawn="1"/>
+        </p:nvSpPr>
+        <p:spPr>
+          <a:xfrm>
+            <a:off x="0" y="4949517"/>
+            <a:ext cx="1028784" cy="193983"/>
+          </a:xfrm>
+          <a:prstGeom prst="rect">
+            <a:avLst/>
+          </a:prstGeom>
+          <a:noFill/>
+        </p:spPr>
+        <p:txBody>
+          <a:bodyPr vert="horz" wrap="square" lIns="0" tIns="0" rIns="0" bIns="0" rtlCol="0" anchor="ctr" anchorCtr="1">
+            <a:spAutoFit/>
+          </a:bodyPr>
+          <a:lstStyle/>
+          <a:p>
+            <a:pPr algn="l">
+              <a:spcBef>
+                <a:spcPts val="0"/>
+              </a:spcBef>
+              <a:spcAft>
+                <a:spcPts val="0"/>
+              </a:spcAft>
+            </a:pPr>
+            <a:r>
+              <a:rPr lang="en-US" sz="600">
+                <a:solidFill>
+                  <a:srgbClr val="7F7F7F"/>
+                </a:solidFill>
+                <a:latin typeface="Calibri" panose="020F0502020204030204" pitchFamily="34" charset="0"/>
+              </a:rPr>
+              <a:t>Internal Use - Confidential</a:t>
+            </a:r>
+          </a:p>
+        </p:txBody>
+      </p:sp>
     </p:spTree>
     <p:extLst>
       <p:ext uri="{BB962C8B-B14F-4D97-AF65-F5344CB8AC3E}">
@@ -5853,6 +5901,54 @@
               <a:sym typeface="Calibri"/>
               <a:rtl val="0"/>
             </a:endParaRPr>
+          </a:p>
+        </p:txBody>
+      </p:sp>
+      <p:sp>
+        <p:nvSpPr>
+          <p:cNvPr id="2" name="MSIPCMContentMarking" descr="{&quot;HashCode&quot;:-1913046509,&quot;Placement&quot;:&quot;Footer&quot;}">
+            <a:extLst>
+              <a:ext uri="{FF2B5EF4-FFF2-40B4-BE49-F238E27FC236}">
+                <a16:creationId xmlns:a16="http://schemas.microsoft.com/office/drawing/2014/main" id="{93652170-9073-47CB-AFE6-3FB6C7CA8A88}"/>
+              </a:ext>
+            </a:extLst>
+          </p:cNvPr>
+          <p:cNvSpPr txBox="1"/>
+          <p:nvPr userDrawn="1"/>
+        </p:nvSpPr>
+        <p:spPr>
+          <a:xfrm>
+            <a:off x="0" y="4949517"/>
+            <a:ext cx="1028784" cy="193983"/>
+          </a:xfrm>
+          <a:prstGeom prst="rect">
+            <a:avLst/>
+          </a:prstGeom>
+          <a:noFill/>
+        </p:spPr>
+        <p:txBody>
+          <a:bodyPr vert="horz" wrap="square" lIns="0" tIns="0" rIns="0" bIns="0" rtlCol="0" anchor="ctr" anchorCtr="1">
+            <a:spAutoFit/>
+          </a:bodyPr>
+          <a:lstStyle/>
+          <a:p>
+            <a:pPr algn="l">
+              <a:spcBef>
+                <a:spcPts val="0"/>
+              </a:spcBef>
+              <a:spcAft>
+                <a:spcPts val="0"/>
+              </a:spcAft>
+            </a:pPr>
+            <a:r>
+              <a:rPr lang="en-US" sz="600">
+                <a:solidFill>
+                  <a:srgbClr val="7F7F7F"/>
+                </a:solidFill>
+                <a:latin typeface="Calibri" panose="020F0502020204030204" pitchFamily="34" charset="0"/>
+              </a:rPr>
+              <a:t>Internal Use - Confidential</a:t>
+            </a:r>
           </a:p>
         </p:txBody>
       </p:sp>
@@ -6389,6 +6485,54 @@
           </a:prstGeom>
         </p:spPr>
       </p:pic>
+      <p:sp>
+        <p:nvSpPr>
+          <p:cNvPr id="2" name="MSIPCMContentMarking" descr="{&quot;HashCode&quot;:-1913046509,&quot;Placement&quot;:&quot;Footer&quot;}">
+            <a:extLst>
+              <a:ext uri="{FF2B5EF4-FFF2-40B4-BE49-F238E27FC236}">
+                <a16:creationId xmlns:a16="http://schemas.microsoft.com/office/drawing/2014/main" id="{9267CEE9-5DCC-4751-8F49-8117B1407D20}"/>
+              </a:ext>
+            </a:extLst>
+          </p:cNvPr>
+          <p:cNvSpPr txBox="1"/>
+          <p:nvPr userDrawn="1"/>
+        </p:nvSpPr>
+        <p:spPr>
+          <a:xfrm>
+            <a:off x="0" y="4949517"/>
+            <a:ext cx="1028784" cy="193983"/>
+          </a:xfrm>
+          <a:prstGeom prst="rect">
+            <a:avLst/>
+          </a:prstGeom>
+          <a:noFill/>
+        </p:spPr>
+        <p:txBody>
+          <a:bodyPr vert="horz" wrap="square" lIns="0" tIns="0" rIns="0" bIns="0" rtlCol="0" anchor="ctr" anchorCtr="1">
+            <a:spAutoFit/>
+          </a:bodyPr>
+          <a:lstStyle/>
+          <a:p>
+            <a:pPr algn="l">
+              <a:spcBef>
+                <a:spcPts val="0"/>
+              </a:spcBef>
+              <a:spcAft>
+                <a:spcPts val="0"/>
+              </a:spcAft>
+            </a:pPr>
+            <a:r>
+              <a:rPr lang="en-US" sz="600">
+                <a:solidFill>
+                  <a:srgbClr val="7F7F7F"/>
+                </a:solidFill>
+                <a:latin typeface="Calibri" panose="020F0502020204030204" pitchFamily="34" charset="0"/>
+              </a:rPr>
+              <a:t>Internal Use - Confidential</a:t>
+            </a:r>
+          </a:p>
+        </p:txBody>
+      </p:sp>
     </p:spTree>
     <p:extLst>
       <p:ext uri="{BB962C8B-B14F-4D97-AF65-F5344CB8AC3E}">
@@ -6715,6 +6859,54 @@
           </a:prstGeom>
         </p:spPr>
       </p:pic>
+      <p:sp>
+        <p:nvSpPr>
+          <p:cNvPr id="2" name="MSIPCMContentMarking" descr="{&quot;HashCode&quot;:-1913046509,&quot;Placement&quot;:&quot;Footer&quot;}">
+            <a:extLst>
+              <a:ext uri="{FF2B5EF4-FFF2-40B4-BE49-F238E27FC236}">
+                <a16:creationId xmlns:a16="http://schemas.microsoft.com/office/drawing/2014/main" id="{99EEF4CB-5B50-4D34-9999-10036B189B46}"/>
+              </a:ext>
+            </a:extLst>
+          </p:cNvPr>
+          <p:cNvSpPr txBox="1"/>
+          <p:nvPr userDrawn="1"/>
+        </p:nvSpPr>
+        <p:spPr>
+          <a:xfrm>
+            <a:off x="0" y="4949517"/>
+            <a:ext cx="1028784" cy="193983"/>
+          </a:xfrm>
+          <a:prstGeom prst="rect">
+            <a:avLst/>
+          </a:prstGeom>
+          <a:noFill/>
+        </p:spPr>
+        <p:txBody>
+          <a:bodyPr vert="horz" wrap="square" lIns="0" tIns="0" rIns="0" bIns="0" rtlCol="0" anchor="ctr" anchorCtr="1">
+            <a:spAutoFit/>
+          </a:bodyPr>
+          <a:lstStyle/>
+          <a:p>
+            <a:pPr algn="l">
+              <a:spcBef>
+                <a:spcPts val="0"/>
+              </a:spcBef>
+              <a:spcAft>
+                <a:spcPts val="0"/>
+              </a:spcAft>
+            </a:pPr>
+            <a:r>
+              <a:rPr lang="en-US" sz="600">
+                <a:solidFill>
+                  <a:srgbClr val="7F7F7F"/>
+                </a:solidFill>
+                <a:latin typeface="Calibri" panose="020F0502020204030204" pitchFamily="34" charset="0"/>
+              </a:rPr>
+              <a:t>Internal Use - Confidential</a:t>
+            </a:r>
+          </a:p>
+        </p:txBody>
+      </p:sp>
     </p:spTree>
     <p:extLst>
       <p:ext uri="{BB962C8B-B14F-4D97-AF65-F5344CB8AC3E}">
@@ -7272,7 +7464,7 @@
         </p:blipFill>
         <p:spPr>
           <a:xfrm>
-            <a:off x="2292443" y="999122"/>
+            <a:off x="626110" y="978441"/>
             <a:ext cx="1881134" cy="336279"/>
           </a:xfrm>
           <a:prstGeom prst="rect">
@@ -7742,13 +7934,13 @@
               </a:buClr>
             </a:pPr>
             <a:r>
-              <a:rPr lang="en-US" dirty="0">
+              <a:rPr lang="en-US">
                 <a:solidFill>
                   <a:schemeClr val="bg1"/>
                 </a:solidFill>
                 <a:sym typeface="Arial"/>
               </a:rPr>
-              <a:t>09:00 </a:t>
+              <a:t>11:00 </a:t>
             </a:r>
             <a:r>
               <a:rPr lang="mr-IN" dirty="0">
@@ -7766,7 +7958,7 @@
                 </a:solidFill>
                 <a:sym typeface="Arial"/>
               </a:rPr>
-              <a:t> 9:30  </a:t>
+              <a:t> 12:30  </a:t>
             </a:r>
             <a:r>
               <a:rPr lang="en-US" dirty="0">
@@ -7791,23 +7983,8 @@
                 </a:solidFill>
                 <a:sym typeface="Arial"/>
               </a:rPr>
-              <a:t>			Cloud Native PAL workshop </a:t>
+              <a:t>			Cloud Native PAL workshop at EY</a:t>
             </a:r>
-            <a:r>
-              <a:rPr lang="en-US">
-                <a:solidFill>
-                  <a:schemeClr val="accent6"/>
-                </a:solidFill>
-                <a:sym typeface="Arial"/>
-              </a:rPr>
-              <a:t>at EY</a:t>
-            </a:r>
-            <a:endParaRPr lang="en-US" dirty="0">
-              <a:solidFill>
-                <a:schemeClr val="accent6"/>
-              </a:solidFill>
-              <a:sym typeface="Arial"/>
-            </a:endParaRPr>
           </a:p>
           <a:p>
             <a:pPr lvl="0">
@@ -7835,7 +8012,7 @@
                 </a:solidFill>
                 <a:sym typeface="Arial"/>
               </a:rPr>
-              <a:t>09:30 - 10:30  </a:t>
+              <a:t>12:30 - 10:30  </a:t>
             </a:r>
             <a:r>
               <a:rPr lang="en-US" dirty="0">
